--- a/презентація диплом.pptx
+++ b/презентація диплом.pptx
@@ -940,6 +940,76 @@
               <a:buSzPts val="1100"/>
               <a:buNone/>
             </a:pPr>
+            <a:r>
+              <a:rPr lang="uk-UA" dirty="0"/>
+              <a:t>Шановний голово та члени екзаменаційної комісії, вашій увазі пропонується кваліфікаційна робота за темою: «Модель використання</a:t>
+            </a:r>
+            <a:r>
+              <a:rPr lang="en-US" dirty="0"/>
+              <a:t> CI/CD</a:t>
+            </a:r>
+            <a:r>
+              <a:rPr lang="uk-UA" dirty="0"/>
+              <a:t> процесів</a:t>
+            </a:r>
+            <a:r>
+              <a:rPr lang="en-US" dirty="0"/>
+              <a:t> </a:t>
+            </a:r>
+            <a:r>
+              <a:rPr lang="uk-UA" dirty="0"/>
+              <a:t>під час розгортання інфраструктури на основі </a:t>
+            </a:r>
+            <a:r>
+              <a:rPr lang="en-US" dirty="0"/>
+              <a:t>IaC</a:t>
+            </a:r>
+            <a:r>
+              <a:rPr lang="uk-UA" dirty="0"/>
+              <a:t>»</a:t>
+            </a:r>
+            <a:r>
+              <a:rPr lang="en-US" dirty="0"/>
+              <a:t>.</a:t>
+            </a:r>
+          </a:p>
+          <a:p>
+            <a:pPr marL="0" lvl="0" indent="0" algn="l" rtl="0">
+              <a:lnSpc>
+                <a:spcPct val="100000"/>
+              </a:lnSpc>
+              <a:spcBef>
+                <a:spcPts val="0"/>
+              </a:spcBef>
+              <a:spcAft>
+                <a:spcPts val="0"/>
+              </a:spcAft>
+              <a:buSzPts val="1100"/>
+              <a:buNone/>
+            </a:pPr>
+            <a:r>
+              <a:rPr lang="uk-UA" dirty="0"/>
+              <a:t>Виконала: курсант 205 навчальної групи, солдат Ксендзук Олена Олегівна</a:t>
+            </a:r>
+          </a:p>
+          <a:p>
+            <a:pPr marL="0" lvl="0" indent="0" algn="l" rtl="0">
+              <a:lnSpc>
+                <a:spcPct val="100000"/>
+              </a:lnSpc>
+              <a:spcBef>
+                <a:spcPts val="0"/>
+              </a:spcBef>
+              <a:spcAft>
+                <a:spcPts val="0"/>
+              </a:spcAft>
+              <a:buSzPts val="1100"/>
+              <a:buNone/>
+            </a:pPr>
+            <a:r>
+              <a:rPr lang="uk-UA" dirty="0"/>
+              <a:t>Керівник: викладач кафедри №21, майор Балан Дмитро Дмитрович</a:t>
+            </a:r>
             <a:endParaRPr dirty="0"/>
           </a:p>
         </p:txBody>
@@ -1232,6 +1302,43 @@
           </a:bodyPr>
           <a:lstStyle/>
           <a:p>
+            <a:pPr marL="457200" marR="0" lvl="0" indent="0" algn="just" defTabSz="914400" rtl="0" eaLnBrk="1" fontAlgn="auto" latinLnBrk="0" hangingPunct="1">
+              <a:lnSpc>
+                <a:spcPct val="150000"/>
+              </a:lnSpc>
+              <a:spcBef>
+                <a:spcPts val="0"/>
+              </a:spcBef>
+              <a:spcAft>
+                <a:spcPts val="0"/>
+              </a:spcAft>
+              <a:buClr>
+                <a:srgbClr val="000000"/>
+              </a:buClr>
+              <a:buSzPts val="1100"/>
+              <a:buFont typeface="Arial"/>
+              <a:buNone/>
+              <a:tabLst/>
+              <a:defRPr/>
+            </a:pPr>
+            <a:r>
+              <a:rPr lang="en-US" sz="1800" kern="100" dirty="0">
+                <a:effectLst/>
+                <a:latin typeface="Times New Roman" panose="02020603050405020304" pitchFamily="18" charset="0"/>
+                <a:ea typeface="Calibri" panose="020F0502020204030204" pitchFamily="34" charset="0"/>
+              </a:rPr>
+              <a:t>Ansible</a:t>
+            </a:r>
+            <a:r>
+              <a:rPr lang="uk-UA" sz="1800" kern="100" dirty="0">
+                <a:effectLst/>
+                <a:latin typeface="Times New Roman" panose="02020603050405020304" pitchFamily="18" charset="0"/>
+                <a:ea typeface="Calibri" panose="020F0502020204030204" pitchFamily="34" charset="0"/>
+              </a:rPr>
+              <a:t> - це потужний інструмент для автоматизації конфігурації та управління системами. </a:t>
+            </a:r>
+          </a:p>
+          <a:p>
             <a:pPr marL="457200" indent="0" algn="just">
               <a:lnSpc>
                 <a:spcPct val="150000"/>
@@ -1749,24 +1856,8 @@
           </a:bodyPr>
           <a:lstStyle/>
           <a:p>
-            <a:pPr marL="158750" marR="0" lvl="0" indent="0" algn="l" defTabSz="914400" rtl="0" eaLnBrk="1" fontAlgn="auto" latinLnBrk="0" hangingPunct="1">
-              <a:lnSpc>
-                <a:spcPct val="100000"/>
-              </a:lnSpc>
-              <a:spcBef>
-                <a:spcPts val="0"/>
-              </a:spcBef>
-              <a:spcAft>
-                <a:spcPts val="0"/>
-              </a:spcAft>
-              <a:buClr>
-                <a:srgbClr val="000000"/>
-              </a:buClr>
-              <a:buSzPts val="1100"/>
-              <a:buFont typeface="Arial"/>
-              <a:buNone/>
-              <a:tabLst/>
-              <a:defRPr/>
+            <a:pPr marL="457200" indent="0" algn="just">
+              <a:buNone/>
             </a:pPr>
             <a:r>
               <a:rPr lang="uk-UA" sz="1800" kern="100" dirty="0">
@@ -1774,17 +1865,253 @@
                 <a:latin typeface="Times New Roman" panose="02020603050405020304" pitchFamily="18" charset="0"/>
                 <a:ea typeface="Calibri" panose="020F0502020204030204" pitchFamily="34" charset="0"/>
               </a:rPr>
-              <a:t>На даному слайді зображена модель</a:t>
+              <a:t>На даному слайді зображена демонстраційна модель, котра ілюструє приклад використання процесів </a:t>
+            </a:r>
+            <a:r>
+              <a:rPr lang="en-US" sz="1800" kern="100" dirty="0">
+                <a:effectLst/>
+                <a:latin typeface="Times New Roman" panose="02020603050405020304" pitchFamily="18" charset="0"/>
+                <a:ea typeface="Calibri" panose="020F0502020204030204" pitchFamily="34" charset="0"/>
+              </a:rPr>
+              <a:t>CI/CD</a:t>
+            </a:r>
+            <a:r>
+              <a:rPr lang="uk-UA" sz="1800" kern="100" dirty="0">
+                <a:effectLst/>
+                <a:latin typeface="Times New Roman" panose="02020603050405020304" pitchFamily="18" charset="0"/>
+                <a:ea typeface="Calibri" panose="020F0502020204030204" pitchFamily="34" charset="0"/>
+              </a:rPr>
+              <a:t> та </a:t>
+            </a:r>
+            <a:r>
+              <a:rPr lang="en-US" sz="1800" kern="100" dirty="0">
+                <a:effectLst/>
+                <a:latin typeface="Times New Roman" panose="02020603050405020304" pitchFamily="18" charset="0"/>
+                <a:ea typeface="Calibri" panose="020F0502020204030204" pitchFamily="34" charset="0"/>
+              </a:rPr>
+              <a:t>IaC</a:t>
+            </a:r>
+            <a:r>
+              <a:rPr lang="uk-UA" sz="1800" kern="100" dirty="0">
+                <a:effectLst/>
+                <a:latin typeface="Times New Roman" panose="02020603050405020304" pitchFamily="18" charset="0"/>
+                <a:ea typeface="Calibri" panose="020F0502020204030204" pitchFamily="34" charset="0"/>
+              </a:rPr>
+              <a:t>.</a:t>
             </a:r>
           </a:p>
           <a:p>
-            <a:pPr marL="158750" indent="0" rtl="0">
+            <a:pPr marL="457200" indent="0" algn="just">
               <a:buNone/>
             </a:pPr>
-            <a:endParaRPr lang="uk-UA" dirty="0">
-              <a:latin typeface="UAF Sans" pitchFamily="2" charset="-52"/>
-              <a:ea typeface="UAF Sans" pitchFamily="2" charset="-52"/>
-            </a:endParaRPr>
+            <a:r>
+              <a:rPr lang="uk-UA" sz="1800" kern="100" dirty="0">
+                <a:effectLst/>
+                <a:latin typeface="Times New Roman" panose="02020603050405020304" pitchFamily="18" charset="0"/>
+                <a:ea typeface="Calibri" panose="020F0502020204030204" pitchFamily="34" charset="0"/>
+              </a:rPr>
+              <a:t>Зверху на схемі ви можете побачити розробників, які пишуть програмний код. Трохи нижче команду </a:t>
+            </a:r>
+            <a:r>
+              <a:rPr lang="en-US" sz="1800" kern="100" dirty="0">
+                <a:effectLst/>
+                <a:latin typeface="Times New Roman" panose="02020603050405020304" pitchFamily="18" charset="0"/>
+                <a:ea typeface="Calibri" panose="020F0502020204030204" pitchFamily="34" charset="0"/>
+              </a:rPr>
+              <a:t>DevOps</a:t>
+            </a:r>
+            <a:r>
+              <a:rPr lang="uk-UA" sz="1800" kern="100" dirty="0">
+                <a:effectLst/>
+                <a:latin typeface="Times New Roman" panose="02020603050405020304" pitchFamily="18" charset="0"/>
+                <a:ea typeface="Calibri" panose="020F0502020204030204" pitchFamily="34" charset="0"/>
+              </a:rPr>
+              <a:t>, котра на контрольній </a:t>
+            </a:r>
+            <a:r>
+              <a:rPr lang="uk-UA" sz="1800" kern="100" dirty="0" err="1">
+                <a:effectLst/>
+                <a:latin typeface="Times New Roman" panose="02020603050405020304" pitchFamily="18" charset="0"/>
+                <a:ea typeface="Calibri" panose="020F0502020204030204" pitchFamily="34" charset="0"/>
+              </a:rPr>
+              <a:t>ноді</a:t>
+            </a:r>
+            <a:r>
+              <a:rPr lang="uk-UA" sz="1800" kern="100" dirty="0">
+                <a:effectLst/>
+                <a:latin typeface="Times New Roman" panose="02020603050405020304" pitchFamily="18" charset="0"/>
+                <a:ea typeface="Calibri" panose="020F0502020204030204" pitchFamily="34" charset="0"/>
+              </a:rPr>
+              <a:t> керує конфігураціями </a:t>
+            </a:r>
+            <a:r>
+              <a:rPr lang="en-US" sz="1800" kern="100" dirty="0">
+                <a:effectLst/>
+                <a:latin typeface="Times New Roman" panose="02020603050405020304" pitchFamily="18" charset="0"/>
+                <a:ea typeface="Calibri" panose="020F0502020204030204" pitchFamily="34" charset="0"/>
+              </a:rPr>
+              <a:t>Ansible </a:t>
+            </a:r>
+            <a:r>
+              <a:rPr lang="uk-UA" sz="1800" kern="100" dirty="0">
+                <a:effectLst/>
+                <a:latin typeface="Times New Roman" panose="02020603050405020304" pitchFamily="18" charset="0"/>
+                <a:ea typeface="Calibri" panose="020F0502020204030204" pitchFamily="34" charset="0"/>
+              </a:rPr>
+              <a:t>та </a:t>
+            </a:r>
+            <a:r>
+              <a:rPr lang="en-US" sz="1800" kern="100" dirty="0">
+                <a:effectLst/>
+                <a:latin typeface="Times New Roman" panose="02020603050405020304" pitchFamily="18" charset="0"/>
+                <a:ea typeface="Calibri" panose="020F0502020204030204" pitchFamily="34" charset="0"/>
+              </a:rPr>
+              <a:t>Terraform </a:t>
+            </a:r>
+            <a:r>
+              <a:rPr lang="uk-UA" sz="1800" kern="100" dirty="0">
+                <a:effectLst/>
+                <a:latin typeface="Times New Roman" panose="02020603050405020304" pitchFamily="18" charset="0"/>
+                <a:ea typeface="Calibri" panose="020F0502020204030204" pitchFamily="34" charset="0"/>
+              </a:rPr>
+              <a:t>для розгортання необхідної інфраструктури для того, щоб </a:t>
+            </a:r>
+            <a:r>
+              <a:rPr lang="uk-UA" sz="1800" kern="100" dirty="0" err="1">
+                <a:effectLst/>
+                <a:latin typeface="Times New Roman" panose="02020603050405020304" pitchFamily="18" charset="0"/>
+                <a:ea typeface="Calibri" panose="020F0502020204030204" pitchFamily="34" charset="0"/>
+              </a:rPr>
+              <a:t>захостити</a:t>
+            </a:r>
+            <a:r>
+              <a:rPr lang="uk-UA" sz="1800" kern="100" dirty="0">
+                <a:effectLst/>
+                <a:latin typeface="Times New Roman" panose="02020603050405020304" pitchFamily="18" charset="0"/>
+                <a:ea typeface="Calibri" panose="020F0502020204030204" pitchFamily="34" charset="0"/>
+              </a:rPr>
+              <a:t> сайт, котрий пишуть розробники. </a:t>
+            </a:r>
+            <a:r>
+              <a:rPr lang="en-US" sz="1800" kern="100" dirty="0">
+                <a:effectLst/>
+                <a:latin typeface="Times New Roman" panose="02020603050405020304" pitchFamily="18" charset="0"/>
+                <a:ea typeface="Calibri" panose="020F0502020204030204" pitchFamily="34" charset="0"/>
+              </a:rPr>
+              <a:t>Terraform </a:t>
+            </a:r>
+            <a:r>
+              <a:rPr lang="uk-UA" sz="1800" kern="100" dirty="0" err="1">
+                <a:effectLst/>
+                <a:latin typeface="Times New Roman" panose="02020603050405020304" pitchFamily="18" charset="0"/>
+                <a:ea typeface="Calibri" panose="020F0502020204030204" pitchFamily="34" charset="0"/>
+              </a:rPr>
+              <a:t>ініцілізує</a:t>
+            </a:r>
+            <a:r>
+              <a:rPr lang="uk-UA" sz="1800" kern="100" dirty="0">
+                <a:effectLst/>
+                <a:latin typeface="Times New Roman" panose="02020603050405020304" pitchFamily="18" charset="0"/>
+                <a:ea typeface="Calibri" panose="020F0502020204030204" pitchFamily="34" charset="0"/>
+              </a:rPr>
+              <a:t> віртуальну машину, власне створюватиме наш</a:t>
+            </a:r>
+            <a:r>
+              <a:rPr lang="en-US" sz="1800" kern="100" dirty="0">
+                <a:effectLst/>
+                <a:latin typeface="Times New Roman" panose="02020603050405020304" pitchFamily="18" charset="0"/>
+                <a:ea typeface="Calibri" panose="020F0502020204030204" pitchFamily="34" charset="0"/>
+              </a:rPr>
+              <a:t> managed node</a:t>
+            </a:r>
+            <a:r>
+              <a:rPr lang="uk-UA" sz="1800" kern="100" dirty="0">
+                <a:effectLst/>
+                <a:latin typeface="Times New Roman" panose="02020603050405020304" pitchFamily="18" charset="0"/>
+                <a:ea typeface="Calibri" panose="020F0502020204030204" pitchFamily="34" charset="0"/>
+              </a:rPr>
+              <a:t>. </a:t>
+            </a:r>
+            <a:r>
+              <a:rPr lang="en-US" sz="1800" kern="100" dirty="0">
+                <a:effectLst/>
+                <a:latin typeface="Times New Roman" panose="02020603050405020304" pitchFamily="18" charset="0"/>
+                <a:ea typeface="Calibri" panose="020F0502020204030204" pitchFamily="34" charset="0"/>
+              </a:rPr>
+              <a:t>Ansible </a:t>
+            </a:r>
+            <a:r>
+              <a:rPr lang="uk-UA" sz="1800" kern="100" dirty="0">
+                <a:effectLst/>
+                <a:latin typeface="Times New Roman" panose="02020603050405020304" pitchFamily="18" charset="0"/>
+                <a:ea typeface="Calibri" panose="020F0502020204030204" pitchFamily="34" charset="0"/>
+              </a:rPr>
+              <a:t>ж буде мати інвентарному файлі, де ми вказуємо, що адмініструватимемо керуючу </a:t>
+            </a:r>
+            <a:r>
+              <a:rPr lang="uk-UA" sz="1800" kern="100" dirty="0" err="1">
+                <a:effectLst/>
+                <a:latin typeface="Times New Roman" panose="02020603050405020304" pitchFamily="18" charset="0"/>
+                <a:ea typeface="Calibri" panose="020F0502020204030204" pitchFamily="34" charset="0"/>
+              </a:rPr>
+              <a:t>ноду</a:t>
+            </a:r>
+            <a:r>
+              <a:rPr lang="uk-UA" sz="1800" kern="100" dirty="0">
+                <a:effectLst/>
+                <a:latin typeface="Times New Roman" panose="02020603050405020304" pitchFamily="18" charset="0"/>
+                <a:ea typeface="Calibri" panose="020F0502020204030204" pitchFamily="34" charset="0"/>
+              </a:rPr>
+              <a:t> і власне сам </a:t>
+            </a:r>
+            <a:r>
+              <a:rPr lang="en-US" sz="1800" kern="100" dirty="0">
+                <a:effectLst/>
+                <a:latin typeface="Times New Roman" panose="02020603050405020304" pitchFamily="18" charset="0"/>
+                <a:ea typeface="Calibri" panose="020F0502020204030204" pitchFamily="34" charset="0"/>
+              </a:rPr>
+              <a:t>playbook</a:t>
+            </a:r>
+            <a:r>
+              <a:rPr lang="uk-UA" sz="1800" kern="100" dirty="0">
+                <a:effectLst/>
+                <a:latin typeface="Times New Roman" panose="02020603050405020304" pitchFamily="18" charset="0"/>
+                <a:ea typeface="Calibri" panose="020F0502020204030204" pitchFamily="34" charset="0"/>
+              </a:rPr>
+              <a:t>. Все це буде зберігатися як і програмний код в репозиторії </a:t>
+            </a:r>
+            <a:r>
+              <a:rPr lang="en-US" sz="1800" kern="100" dirty="0">
+                <a:effectLst/>
+                <a:latin typeface="Times New Roman" panose="02020603050405020304" pitchFamily="18" charset="0"/>
+                <a:ea typeface="Calibri" panose="020F0502020204030204" pitchFamily="34" charset="0"/>
+              </a:rPr>
+              <a:t>GitLab.</a:t>
+            </a:r>
+            <a:r>
+              <a:rPr lang="uk-UA" sz="1800" kern="100" dirty="0">
+                <a:effectLst/>
+                <a:latin typeface="Times New Roman" panose="02020603050405020304" pitchFamily="18" charset="0"/>
+                <a:ea typeface="Calibri" panose="020F0502020204030204" pitchFamily="34" charset="0"/>
+              </a:rPr>
+              <a:t> А </a:t>
+            </a:r>
+            <a:r>
+              <a:rPr lang="en-US" sz="1800" kern="100" dirty="0">
+                <a:effectLst/>
+                <a:latin typeface="Times New Roman" panose="02020603050405020304" pitchFamily="18" charset="0"/>
+                <a:ea typeface="Calibri" panose="020F0502020204030204" pitchFamily="34" charset="0"/>
+              </a:rPr>
+              <a:t>GitLab </a:t>
+            </a:r>
+            <a:r>
+              <a:rPr lang="uk-UA" sz="1800" kern="100" dirty="0">
+                <a:effectLst/>
+                <a:latin typeface="Times New Roman" panose="02020603050405020304" pitchFamily="18" charset="0"/>
+                <a:ea typeface="Calibri" panose="020F0502020204030204" pitchFamily="34" charset="0"/>
+              </a:rPr>
+              <a:t>буде запускати підготовлений конвеєр.</a:t>
+            </a:r>
           </a:p>
         </p:txBody>
       </p:sp>
@@ -2434,6 +2761,10 @@
               <a:buSzPts val="1100"/>
               <a:buNone/>
             </a:pPr>
+            <a:r>
+              <a:rPr lang="uk-UA" dirty="0"/>
+              <a:t>Оскільки це актуально, мета мого дослідження наступна:</a:t>
+            </a:r>
             <a:endParaRPr dirty="0"/>
           </a:p>
         </p:txBody>
@@ -2561,6 +2892,10 @@
               <a:buSzPts val="1100"/>
               <a:buNone/>
             </a:pPr>
+            <a:r>
+              <a:rPr lang="uk-UA" dirty="0"/>
+              <a:t>Відповідно до мети є такі взаємопов’язані завдання…</a:t>
+            </a:r>
             <a:endParaRPr dirty="0"/>
           </a:p>
         </p:txBody>
@@ -2699,30 +3034,6 @@
             <a:pPr marL="457200" indent="0" algn="just">
               <a:buNone/>
             </a:pPr>
-            <a:r>
-              <a:rPr lang="uk-UA" sz="1800" kern="100" dirty="0">
-                <a:effectLst/>
-                <a:latin typeface="Times New Roman" panose="02020603050405020304" pitchFamily="18" charset="0"/>
-                <a:ea typeface="Calibri" panose="020F0502020204030204" pitchFamily="34" charset="0"/>
-              </a:rPr>
-              <a:t>Частинка CI стосується практики регулярного збирання та тестування коду програми після кожного злиття у центральний репозиторій коду. Це допомагає виявляти конфлікти та помилки на ранніх стадіях циклу розробки. CI здійснюється через автоматизовані збірки та запуск тестових наборів, що дозволяє постійно перевіряти цілісність системи.</a:t>
-            </a:r>
-          </a:p>
-          <a:p>
-            <a:pPr marL="457200" indent="0" algn="just">
-              <a:buNone/>
-            </a:pPr>
-            <a:r>
-              <a:rPr lang="uk-UA" sz="1800" kern="100" dirty="0">
-                <a:solidFill>
-                  <a:srgbClr val="000000"/>
-                </a:solidFill>
-                <a:effectLst/>
-                <a:latin typeface="Times New Roman" panose="02020603050405020304" pitchFamily="18" charset="0"/>
-                <a:ea typeface="Calibri" panose="020F0502020204030204" pitchFamily="34" charset="0"/>
-              </a:rPr>
-              <a:t>Переваги, які нам надає безперервна інтеграція: раннє виявлення та виправлення помилок коду, можливість частіших релізів, автоматичне тестування після залиття у спільний репозиторій, гнучкість та економія часу за рахунок автоматизації.</a:t>
-            </a:r>
             <a:endParaRPr lang="uk-UA" sz="1800" kern="100" dirty="0">
               <a:effectLst/>
               <a:latin typeface="Times New Roman" panose="02020603050405020304" pitchFamily="18" charset="0"/>
@@ -2739,7 +3050,7 @@
                 <a:latin typeface="Times New Roman" panose="02020603050405020304" pitchFamily="18" charset="0"/>
                 <a:ea typeface="Calibri" panose="020F0502020204030204" pitchFamily="34" charset="0"/>
               </a:rPr>
-              <a:t>CD розширює концепцію CI, автоматизуючи процес релізу програмного забезпечення для кінцевих користувачів. Основні кроки CD</a:t>
+              <a:t>Частинка CI стосується практики регулярного збирання та тестування коду програми після кожного злиття у центральний репозиторій коду. Це допомагає виявляти конфлікти та помилки на ранніх стадіях циклу розробки – це суттєва перевага </a:t>
             </a:r>
             <a:r>
               <a:rPr lang="en-US" sz="1800" kern="100" dirty="0">
@@ -2747,15 +3058,77 @@
                 <a:latin typeface="Times New Roman" panose="02020603050405020304" pitchFamily="18" charset="0"/>
                 <a:ea typeface="Calibri" panose="020F0502020204030204" pitchFamily="34" charset="0"/>
               </a:rPr>
-              <a:t> (</a:t>
-            </a:r>
-            <a:r>
-              <a:rPr lang="en-US" sz="1800" i="1" kern="100" dirty="0">
+              <a:t>CI.</a:t>
+            </a:r>
+            <a:endParaRPr lang="uk-UA" sz="1800" kern="100" dirty="0">
+              <a:effectLst/>
+              <a:latin typeface="Times New Roman" panose="02020603050405020304" pitchFamily="18" charset="0"/>
+              <a:ea typeface="Calibri" panose="020F0502020204030204" pitchFamily="34" charset="0"/>
+            </a:endParaRPr>
+          </a:p>
+          <a:p>
+            <a:pPr marL="457200" indent="0" algn="just">
+              <a:buNone/>
+            </a:pPr>
+            <a:r>
+              <a:rPr lang="uk-UA" sz="1800" kern="100" dirty="0">
                 <a:effectLst/>
                 <a:latin typeface="Times New Roman" panose="02020603050405020304" pitchFamily="18" charset="0"/>
                 <a:ea typeface="Calibri" panose="020F0502020204030204" pitchFamily="34" charset="0"/>
               </a:rPr>
-              <a:t>Delivery</a:t>
+              <a:t>Щодо наступних переваг це:</a:t>
+            </a:r>
+            <a:r>
+              <a:rPr lang="uk-UA" sz="1800" kern="100" dirty="0">
+                <a:solidFill>
+                  <a:srgbClr val="000000"/>
+                </a:solidFill>
+                <a:effectLst/>
+                <a:latin typeface="Times New Roman" panose="02020603050405020304" pitchFamily="18" charset="0"/>
+                <a:ea typeface="Calibri" panose="020F0502020204030204" pitchFamily="34" charset="0"/>
+              </a:rPr>
+              <a:t> можливість частіших релізів, автоматичне тестування, гнучкість та економія часу за рахунок автоматизації.</a:t>
+            </a:r>
+            <a:endParaRPr lang="uk-UA" sz="1800" kern="100" dirty="0">
+              <a:effectLst/>
+              <a:latin typeface="Times New Roman" panose="02020603050405020304" pitchFamily="18" charset="0"/>
+              <a:ea typeface="Calibri" panose="020F0502020204030204" pitchFamily="34" charset="0"/>
+            </a:endParaRPr>
+          </a:p>
+          <a:p>
+            <a:pPr marL="457200" indent="0" algn="just">
+              <a:buNone/>
+            </a:pPr>
+            <a:r>
+              <a:rPr lang="uk-UA" sz="1800" kern="100" dirty="0">
+                <a:effectLst/>
+                <a:latin typeface="Times New Roman" panose="02020603050405020304" pitchFamily="18" charset="0"/>
+                <a:ea typeface="Calibri" panose="020F0502020204030204" pitchFamily="34" charset="0"/>
+              </a:rPr>
+              <a:t>CD розширює концепцію CI, автоматизуючи процес релізу програмного забезпечення для кінцевих користувачів.</a:t>
+            </a:r>
+          </a:p>
+          <a:p>
+            <a:pPr marL="457200" indent="0" algn="just">
+              <a:buNone/>
+            </a:pPr>
+            <a:endParaRPr lang="uk-UA" sz="1800" kern="100" dirty="0">
+              <a:effectLst/>
+              <a:latin typeface="Times New Roman" panose="02020603050405020304" pitchFamily="18" charset="0"/>
+              <a:ea typeface="Calibri" panose="020F0502020204030204" pitchFamily="34" charset="0"/>
+            </a:endParaRPr>
+          </a:p>
+          <a:p>
+            <a:pPr marL="457200" indent="0" algn="just">
+              <a:buNone/>
+            </a:pPr>
+            <a:r>
+              <a:rPr lang="uk-UA" sz="1800" kern="100" dirty="0">
+                <a:effectLst/>
+                <a:latin typeface="Times New Roman" panose="02020603050405020304" pitchFamily="18" charset="0"/>
+                <a:ea typeface="Calibri" panose="020F0502020204030204" pitchFamily="34" charset="0"/>
+              </a:rPr>
+              <a:t>Важливо зауважити, що є 2 види </a:t>
             </a:r>
             <a:r>
               <a:rPr lang="en-US" sz="1800" kern="100" dirty="0">
@@ -2763,7 +3136,7 @@
                 <a:latin typeface="Times New Roman" panose="02020603050405020304" pitchFamily="18" charset="0"/>
                 <a:ea typeface="Calibri" panose="020F0502020204030204" pitchFamily="34" charset="0"/>
               </a:rPr>
-              <a:t>)</a:t>
+              <a:t>CD: Delivery </a:t>
             </a:r>
             <a:r>
               <a:rPr lang="uk-UA" sz="1800" kern="100" dirty="0">
@@ -2771,162 +3144,88 @@
                 <a:latin typeface="Times New Roman" panose="02020603050405020304" pitchFamily="18" charset="0"/>
                 <a:ea typeface="Calibri" panose="020F0502020204030204" pitchFamily="34" charset="0"/>
               </a:rPr>
-              <a:t>:</a:t>
-            </a:r>
-          </a:p>
-          <a:p>
-            <a:pPr marL="457200" indent="0" algn="just">
-              <a:buNone/>
-            </a:pPr>
+              <a:t>та </a:t>
+            </a:r>
+            <a:r>
+              <a:rPr lang="en-US" sz="1800" kern="100" dirty="0">
+                <a:effectLst/>
+                <a:latin typeface="Times New Roman" panose="02020603050405020304" pitchFamily="18" charset="0"/>
+                <a:ea typeface="Calibri" panose="020F0502020204030204" pitchFamily="34" charset="0"/>
+              </a:rPr>
+              <a:t>Deployment.</a:t>
+            </a:r>
             <a:r>
               <a:rPr lang="uk-UA" sz="1800" kern="100" dirty="0">
                 <a:effectLst/>
                 <a:latin typeface="Times New Roman" panose="02020603050405020304" pitchFamily="18" charset="0"/>
                 <a:ea typeface="Calibri" panose="020F0502020204030204" pitchFamily="34" charset="0"/>
               </a:rPr>
-              <a:t>1. Виконання процесу CI (збирання, тестування коду).</a:t>
-            </a:r>
-          </a:p>
-          <a:p>
-            <a:pPr marL="457200" indent="0" algn="just">
-              <a:buNone/>
-            </a:pPr>
+              <a:t> Різниця в тому, що </a:t>
+            </a:r>
+            <a:r>
+              <a:rPr lang="en-US" sz="1800" kern="100" dirty="0">
+                <a:effectLst/>
+                <a:latin typeface="Times New Roman" panose="02020603050405020304" pitchFamily="18" charset="0"/>
+                <a:ea typeface="Calibri" panose="020F0502020204030204" pitchFamily="34" charset="0"/>
+              </a:rPr>
+              <a:t>Deployment</a:t>
+            </a:r>
             <a:r>
               <a:rPr lang="uk-UA" sz="1800" kern="100" dirty="0">
                 <a:effectLst/>
                 <a:latin typeface="Times New Roman" panose="02020603050405020304" pitchFamily="18" charset="0"/>
                 <a:ea typeface="Calibri" panose="020F0502020204030204" pitchFamily="34" charset="0"/>
               </a:rPr>
-              <a:t>2. Створення образу або пакунку для розгортання.</a:t>
-            </a:r>
-          </a:p>
-          <a:p>
-            <a:pPr marL="457200" indent="0" algn="just">
-              <a:buNone/>
-            </a:pPr>
+              <a:t> (Безперервне розгортання) повністю автоматичний процес, який після усіх тестів сам закидає готовий код у виробниче середовище (</a:t>
+            </a:r>
+            <a:r>
+              <a:rPr lang="en-US" sz="1800" kern="100" dirty="0">
+                <a:effectLst/>
+                <a:latin typeface="Times New Roman" panose="02020603050405020304" pitchFamily="18" charset="0"/>
+                <a:ea typeface="Calibri" panose="020F0502020204030204" pitchFamily="34" charset="0"/>
+              </a:rPr>
+              <a:t>prod)</a:t>
+            </a:r>
             <a:r>
               <a:rPr lang="uk-UA" sz="1800" kern="100" dirty="0">
                 <a:effectLst/>
                 <a:latin typeface="Times New Roman" panose="02020603050405020304" pitchFamily="18" charset="0"/>
                 <a:ea typeface="Calibri" panose="020F0502020204030204" pitchFamily="34" charset="0"/>
               </a:rPr>
-              <a:t>3. Розгортання збірки у тестове або проміжне середовище.</a:t>
-            </a:r>
-          </a:p>
-          <a:p>
-            <a:pPr marL="457200" indent="0" algn="just">
-              <a:buNone/>
-            </a:pPr>
+              <a:t>. А </a:t>
+            </a:r>
+            <a:r>
+              <a:rPr lang="en-US" sz="1800" kern="100" dirty="0">
+                <a:effectLst/>
+                <a:latin typeface="Times New Roman" panose="02020603050405020304" pitchFamily="18" charset="0"/>
+                <a:ea typeface="Calibri" panose="020F0502020204030204" pitchFamily="34" charset="0"/>
+              </a:rPr>
+              <a:t>Delivery </a:t>
+            </a:r>
             <a:r>
               <a:rPr lang="uk-UA" sz="1800" kern="100" dirty="0">
                 <a:effectLst/>
                 <a:latin typeface="Times New Roman" panose="02020603050405020304" pitchFamily="18" charset="0"/>
                 <a:ea typeface="Calibri" panose="020F0502020204030204" pitchFamily="34" charset="0"/>
               </a:rPr>
-              <a:t>4. Запуск додаткових тестів (навантажувальне тестування, тести користувацького інтерфейсу тощо).</a:t>
-            </a:r>
-          </a:p>
-          <a:p>
-            <a:pPr marL="457200" indent="0" algn="just">
-              <a:buNone/>
-            </a:pPr>
+              <a:t>(Безперевна доставка) не автоматичний, але автоматизований процес, при якому потрібне ручне схвалення </a:t>
+            </a:r>
+            <a:r>
+              <a:rPr lang="en-US" sz="1800" kern="100" dirty="0">
+                <a:effectLst/>
+                <a:latin typeface="Times New Roman" panose="02020603050405020304" pitchFamily="18" charset="0"/>
+                <a:ea typeface="Calibri" panose="020F0502020204030204" pitchFamily="34" charset="0"/>
+              </a:rPr>
+              <a:t>DevOps</a:t>
+            </a:r>
             <a:r>
               <a:rPr lang="uk-UA" sz="1800" kern="100" dirty="0">
                 <a:effectLst/>
                 <a:latin typeface="Times New Roman" panose="02020603050405020304" pitchFamily="18" charset="0"/>
                 <a:ea typeface="Calibri" panose="020F0502020204030204" pitchFamily="34" charset="0"/>
               </a:rPr>
-              <a:t>Важливо зауважити, що є 2 види </a:t>
-            </a:r>
-            <a:r>
-              <a:rPr lang="en-US" sz="1800" kern="100" dirty="0">
-                <a:effectLst/>
-                <a:latin typeface="Times New Roman" panose="02020603050405020304" pitchFamily="18" charset="0"/>
-                <a:ea typeface="Calibri" panose="020F0502020204030204" pitchFamily="34" charset="0"/>
-              </a:rPr>
-              <a:t>CD: Delivery </a:t>
-            </a:r>
-            <a:r>
-              <a:rPr lang="uk-UA" sz="1800" kern="100" dirty="0">
-                <a:effectLst/>
-                <a:latin typeface="Times New Roman" panose="02020603050405020304" pitchFamily="18" charset="0"/>
-                <a:ea typeface="Calibri" panose="020F0502020204030204" pitchFamily="34" charset="0"/>
-              </a:rPr>
-              <a:t>та </a:t>
-            </a:r>
-            <a:r>
-              <a:rPr lang="en-US" sz="1800" kern="100" dirty="0">
-                <a:effectLst/>
-                <a:latin typeface="Times New Roman" panose="02020603050405020304" pitchFamily="18" charset="0"/>
-                <a:ea typeface="Calibri" panose="020F0502020204030204" pitchFamily="34" charset="0"/>
-              </a:rPr>
-              <a:t>Deployment.</a:t>
-            </a:r>
-            <a:r>
-              <a:rPr lang="uk-UA" sz="1800" kern="100" dirty="0">
-                <a:effectLst/>
-                <a:latin typeface="Times New Roman" panose="02020603050405020304" pitchFamily="18" charset="0"/>
-                <a:ea typeface="Calibri" panose="020F0502020204030204" pitchFamily="34" charset="0"/>
-              </a:rPr>
-              <a:t> Різниця в тому, що </a:t>
-            </a:r>
-            <a:r>
-              <a:rPr lang="en-US" sz="1800" kern="100" dirty="0">
-                <a:effectLst/>
-                <a:latin typeface="Times New Roman" panose="02020603050405020304" pitchFamily="18" charset="0"/>
-                <a:ea typeface="Calibri" panose="020F0502020204030204" pitchFamily="34" charset="0"/>
-              </a:rPr>
-              <a:t>Deployment</a:t>
-            </a:r>
-            <a:r>
-              <a:rPr lang="uk-UA" sz="1800" kern="100" dirty="0">
-                <a:effectLst/>
-                <a:latin typeface="Times New Roman" panose="02020603050405020304" pitchFamily="18" charset="0"/>
-                <a:ea typeface="Calibri" panose="020F0502020204030204" pitchFamily="34" charset="0"/>
-              </a:rPr>
-              <a:t> (Безперервне розгортання) повністю автоматичний процес, який після усіх тестів сам закидає готовий код у виробниче середовище. А </a:t>
-            </a:r>
-            <a:r>
-              <a:rPr lang="en-US" sz="1800" kern="100" dirty="0">
-                <a:effectLst/>
-                <a:latin typeface="Times New Roman" panose="02020603050405020304" pitchFamily="18" charset="0"/>
-                <a:ea typeface="Calibri" panose="020F0502020204030204" pitchFamily="34" charset="0"/>
-              </a:rPr>
-              <a:t>Delivery </a:t>
-            </a:r>
-            <a:r>
-              <a:rPr lang="uk-UA" sz="1800" kern="100" dirty="0">
-                <a:effectLst/>
-                <a:latin typeface="Times New Roman" panose="02020603050405020304" pitchFamily="18" charset="0"/>
-                <a:ea typeface="Calibri" panose="020F0502020204030204" pitchFamily="34" charset="0"/>
-              </a:rPr>
-              <a:t>(Безперевна доставка) не автоматичний, але автоматизований процес, при якому потрібне ручне схвалення </a:t>
-            </a:r>
-            <a:r>
-              <a:rPr lang="en-US" sz="1800" kern="100" dirty="0">
-                <a:effectLst/>
-                <a:latin typeface="Times New Roman" panose="02020603050405020304" pitchFamily="18" charset="0"/>
-                <a:ea typeface="Calibri" panose="020F0502020204030204" pitchFamily="34" charset="0"/>
-              </a:rPr>
-              <a:t>DevOps</a:t>
-            </a:r>
-            <a:r>
-              <a:rPr lang="uk-UA" sz="1800" kern="100" dirty="0">
-                <a:effectLst/>
-                <a:latin typeface="Times New Roman" panose="02020603050405020304" pitchFamily="18" charset="0"/>
-                <a:ea typeface="Calibri" panose="020F0502020204030204" pitchFamily="34" charset="0"/>
-              </a:rPr>
               <a:t>. </a:t>
             </a:r>
-          </a:p>
-          <a:p>
-            <a:pPr marL="158750" indent="0">
-              <a:buNone/>
-            </a:pPr>
-            <a:endParaRPr lang="uk-UA" dirty="0">
-              <a:latin typeface="UAF Sans" pitchFamily="2" charset="-52"/>
-              <a:ea typeface="UAF Sans" pitchFamily="2" charset="-52"/>
-            </a:endParaRPr>
           </a:p>
         </p:txBody>
       </p:sp>
@@ -3266,57 +3565,15 @@
                 <a:latin typeface="Times New Roman" panose="02020603050405020304" pitchFamily="18" charset="0"/>
                 <a:ea typeface="Calibri" panose="020F0502020204030204" pitchFamily="34" charset="0"/>
               </a:rPr>
-              <a:t>Інфраструктура як код - це парадигма, в якій вся інфраструктура ІТ-систем (обчислювальні ресурси, сховища даних, мережі тощо) визначається як версійований машинозчитуваний код замість ручного налаштування ресурсів. </a:t>
-            </a:r>
-          </a:p>
-          <a:p>
-            <a:pPr marL="457200" indent="0" algn="just">
-              <a:buNone/>
-            </a:pPr>
-            <a:r>
-              <a:rPr lang="uk-UA" sz="1800" kern="100" dirty="0">
+              <a:t>На слайді зображена концепція </a:t>
+            </a:r>
+            <a:r>
+              <a:rPr lang="en-US" sz="1800" kern="100" dirty="0">
                 <a:effectLst/>
                 <a:latin typeface="Times New Roman" panose="02020603050405020304" pitchFamily="18" charset="0"/>
                 <a:ea typeface="Calibri" panose="020F0502020204030204" pitchFamily="34" charset="0"/>
               </a:rPr>
-              <a:t>Сьогодні більшість проєктів живе в «хмарах». Тобто ресурси — це віртуальні машини, контейнери, </a:t>
-            </a:r>
-            <a:r>
-              <a:rPr lang="en-US" sz="1800" i="1" kern="100" dirty="0">
-                <a:effectLst/>
-                <a:latin typeface="Times New Roman" panose="02020603050405020304" pitchFamily="18" charset="0"/>
-                <a:ea typeface="Calibri" panose="020F0502020204030204" pitchFamily="34" charset="0"/>
-              </a:rPr>
-              <a:t>load balancers</a:t>
-            </a:r>
-            <a:r>
-              <a:rPr lang="uk-UA" sz="1800" kern="100" dirty="0">
-                <a:effectLst/>
-                <a:latin typeface="Times New Roman" panose="02020603050405020304" pitchFamily="18" charset="0"/>
-                <a:ea typeface="Calibri" panose="020F0502020204030204" pitchFamily="34" charset="0"/>
-              </a:rPr>
-              <a:t>.</a:t>
-            </a:r>
-          </a:p>
-          <a:p>
-            <a:pPr marL="457200" indent="0" algn="just">
-              <a:buNone/>
-            </a:pPr>
-            <a:r>
-              <a:rPr lang="uk-UA" sz="1800" kern="100" dirty="0">
-                <a:effectLst/>
-                <a:latin typeface="Times New Roman" panose="02020603050405020304" pitchFamily="18" charset="0"/>
-                <a:ea typeface="Calibri" panose="020F0502020204030204" pitchFamily="34" charset="0"/>
-              </a:rPr>
-              <a:t>Утім, побутує міф про небезпеку використання хмарних сервісів для інформаційних систем, пов’язаних із сектором оборони, проте справжній досвід виразно показав, що такі побоювання являються марними. Як приклад можна навести досвід використання системи ситуаційної обізнаності </a:t>
-            </a:r>
-            <a:r>
-              <a:rPr lang="en-US" sz="1800" i="1" kern="100" dirty="0">
-                <a:effectLst/>
-                <a:latin typeface="Times New Roman" panose="02020603050405020304" pitchFamily="18" charset="0"/>
-                <a:ea typeface="Calibri" panose="020F0502020204030204" pitchFamily="34" charset="0"/>
-              </a:rPr>
-              <a:t>Delta.</a:t>
+              <a:t>IaC</a:t>
             </a:r>
             <a:endParaRPr lang="uk-UA" sz="1800" kern="100" dirty="0">
               <a:effectLst/>
@@ -3326,11 +3583,58 @@
           </a:p>
           <a:p>
             <a:pPr marL="457200" indent="0" algn="just">
-              <a:lnSpc>
-                <a:spcPct val="150000"/>
-              </a:lnSpc>
               <a:buNone/>
             </a:pPr>
+            <a:r>
+              <a:rPr lang="uk-UA" sz="1800" kern="100" dirty="0">
+                <a:effectLst/>
+                <a:latin typeface="Times New Roman" panose="02020603050405020304" pitchFamily="18" charset="0"/>
+                <a:ea typeface="Calibri" panose="020F0502020204030204" pitchFamily="34" charset="0"/>
+              </a:rPr>
+              <a:t>Інфраструктура як код - це парадигма, в якій вся інфраструктура ІТ-систем (обчислювальні ресурси, сховища даних, мережі тощо) визначається як версійований машинозчитуваний код замість ручного налаштування ресурсів.</a:t>
+            </a:r>
+          </a:p>
+          <a:p>
+            <a:pPr marL="457200" indent="0" algn="just">
+              <a:buNone/>
+            </a:pPr>
+            <a:r>
+              <a:rPr lang="uk-UA" sz="1800" kern="100" dirty="0">
+                <a:effectLst/>
+                <a:latin typeface="Times New Roman" panose="02020603050405020304" pitchFamily="18" charset="0"/>
+                <a:ea typeface="Calibri" panose="020F0502020204030204" pitchFamily="34" charset="0"/>
+              </a:rPr>
+              <a:t>Сьогодні більшість проєктів живе в «хмарах». Тобто ресурси — це віртуальні машини, контейнери, балансувальники навантаження.</a:t>
+            </a:r>
+          </a:p>
+          <a:p>
+            <a:pPr marL="457200" indent="0" algn="just">
+              <a:buNone/>
+            </a:pPr>
+            <a:r>
+              <a:rPr lang="uk-UA" sz="1800" kern="100" dirty="0">
+                <a:effectLst/>
+                <a:latin typeface="Times New Roman" panose="02020603050405020304" pitchFamily="18" charset="0"/>
+                <a:ea typeface="Calibri" panose="020F0502020204030204" pitchFamily="34" charset="0"/>
+              </a:rPr>
+              <a:t>Утім, побутує міф про небезпеку використання хмарних сервісів для інформаційних систем, пов’язаних із сектором оборони, проте справжній досвід виразно показав, що такі побоювання являються марними. Як приклад можна навести досвід використання системи ситуаційної обізнаності </a:t>
+            </a:r>
+            <a:r>
+              <a:rPr lang="en-US" sz="1800" i="1" kern="100" dirty="0">
+                <a:effectLst/>
+                <a:latin typeface="Times New Roman" panose="02020603050405020304" pitchFamily="18" charset="0"/>
+                <a:ea typeface="Calibri" panose="020F0502020204030204" pitchFamily="34" charset="0"/>
+              </a:rPr>
+              <a:t>Delta.</a:t>
+            </a:r>
+            <a:r>
+              <a:rPr lang="en-US" sz="1800" kern="100" dirty="0">
+                <a:effectLst/>
+                <a:latin typeface="Times New Roman" panose="02020603050405020304" pitchFamily="18" charset="0"/>
+                <a:ea typeface="Calibri" panose="020F0502020204030204" pitchFamily="34" charset="0"/>
+              </a:rPr>
+              <a:t> </a:t>
+            </a:r>
             <a:endParaRPr lang="uk-UA" sz="1800" kern="100" dirty="0">
               <a:effectLst/>
               <a:latin typeface="Times New Roman" panose="02020603050405020304" pitchFamily="18" charset="0"/>
@@ -3456,53 +3760,149 @@
               <a:buNone/>
             </a:pPr>
             <a:r>
-              <a:rPr lang="uk-UA" dirty="0">
+              <a:rPr lang="uk-UA" dirty="0"/>
+              <a:t>Проаналізувавши різні інструменти мій вибір я обрала саме </a:t>
+            </a:r>
+            <a:r>
+              <a:rPr lang="en-US" dirty="0"/>
+              <a:t>Ansible </a:t>
+            </a:r>
+            <a:r>
+              <a:rPr lang="uk-UA" dirty="0"/>
+              <a:t>та </a:t>
+            </a:r>
+            <a:r>
+              <a:rPr lang="en-US" dirty="0"/>
+              <a:t>Terraform</a:t>
+            </a:r>
+            <a:r>
+              <a:rPr lang="uk-UA" dirty="0"/>
+              <a:t>, зокрема тому, що це прості в розумінні та популярні рішення, яке відповідно має широке </a:t>
+            </a:r>
+            <a:r>
+              <a:rPr lang="uk-UA" dirty="0" err="1"/>
+              <a:t>ком’юніті</a:t>
+            </a:r>
+            <a:r>
+              <a:rPr lang="uk-UA" dirty="0"/>
+              <a:t>, ну і зрозумілу просту документацію. Це важливий аспект, оскільки що для того, щоб це впровадити і щоб це працювало, варто відповідно навчити персонал. А чим складніше нам це зробити - тим нам менш вигідно. </a:t>
+            </a:r>
+          </a:p>
+          <a:p>
+            <a:pPr marL="457200" indent="0" algn="just">
+              <a:lnSpc>
+                <a:spcPct val="150000"/>
+              </a:lnSpc>
+              <a:buNone/>
+            </a:pPr>
+            <a:endParaRPr lang="uk-UA" dirty="0">
+              <a:latin typeface="UAF Sans" pitchFamily="2" charset="-52"/>
+              <a:ea typeface="UAF Sans" pitchFamily="2" charset="-52"/>
+            </a:endParaRPr>
+          </a:p>
+          <a:p>
+            <a:pPr marL="457200" marR="0" lvl="0" indent="0" algn="just" defTabSz="914400" rtl="0" eaLnBrk="1" fontAlgn="auto" latinLnBrk="0" hangingPunct="1">
+              <a:lnSpc>
+                <a:spcPct val="150000"/>
+              </a:lnSpc>
+              <a:spcBef>
+                <a:spcPts val="0"/>
+              </a:spcBef>
+              <a:spcAft>
+                <a:spcPts val="0"/>
+              </a:spcAft>
+              <a:buClr>
+                <a:srgbClr val="000000"/>
+              </a:buClr>
+              <a:buSzPts val="1100"/>
+              <a:buFont typeface="Arial"/>
+              <a:buNone/>
+              <a:tabLst/>
+              <a:defRPr/>
+            </a:pPr>
+            <a:r>
+              <a:rPr lang="uk-UA" sz="1800" kern="100" dirty="0">
+                <a:effectLst/>
+                <a:latin typeface="Times New Roman" panose="02020603050405020304" pitchFamily="18" charset="0"/>
+                <a:ea typeface="Calibri" panose="020F0502020204030204" pitchFamily="34" charset="0"/>
+              </a:rPr>
+              <a:t>Незважаючи на відмінності в підходах (</a:t>
+            </a:r>
+            <a:r>
+              <a:rPr lang="en-US" sz="1800" i="1" kern="100" dirty="0">
+                <a:effectLst/>
+                <a:latin typeface="Times New Roman" panose="02020603050405020304" pitchFamily="18" charset="0"/>
+                <a:ea typeface="Calibri" panose="020F0502020204030204" pitchFamily="34" charset="0"/>
+              </a:rPr>
+              <a:t>Ansible</a:t>
+            </a:r>
+            <a:r>
+              <a:rPr lang="en-US" sz="1800" kern="100" dirty="0">
+                <a:effectLst/>
+                <a:latin typeface="Times New Roman" panose="02020603050405020304" pitchFamily="18" charset="0"/>
+                <a:ea typeface="Calibri" panose="020F0502020204030204" pitchFamily="34" charset="0"/>
+              </a:rPr>
+              <a:t> </a:t>
+            </a:r>
+            <a:r>
+              <a:rPr lang="uk-UA" sz="1800" kern="100" dirty="0">
+                <a:effectLst/>
+                <a:latin typeface="Times New Roman" panose="02020603050405020304" pitchFamily="18" charset="0"/>
+                <a:ea typeface="Calibri" panose="020F0502020204030204" pitchFamily="34" charset="0"/>
+              </a:rPr>
+              <a:t>– для управління конфігураціями, </a:t>
+            </a:r>
+            <a:r>
+              <a:rPr lang="en-US" sz="1800" i="1" kern="100" dirty="0">
+                <a:effectLst/>
+                <a:latin typeface="Times New Roman" panose="02020603050405020304" pitchFamily="18" charset="0"/>
+                <a:ea typeface="Calibri" panose="020F0502020204030204" pitchFamily="34" charset="0"/>
+              </a:rPr>
+              <a:t>Terraform</a:t>
+            </a:r>
+            <a:r>
+              <a:rPr lang="en-US" sz="1800" kern="100" dirty="0">
+                <a:effectLst/>
+                <a:latin typeface="Times New Roman" panose="02020603050405020304" pitchFamily="18" charset="0"/>
+                <a:ea typeface="Calibri" panose="020F0502020204030204" pitchFamily="34" charset="0"/>
+              </a:rPr>
+              <a:t> </a:t>
+            </a:r>
+            <a:r>
+              <a:rPr lang="uk-UA" sz="1800" kern="100" dirty="0">
+                <a:effectLst/>
+                <a:latin typeface="Times New Roman" panose="02020603050405020304" pitchFamily="18" charset="0"/>
+                <a:ea typeface="Calibri" panose="020F0502020204030204" pitchFamily="34" charset="0"/>
+              </a:rPr>
+              <a:t>– для управління інфраструктурою), їх часто використовують разом у великих проектах для досягнення повної автоматизації та реалізації IaC принципів.</a:t>
+            </a:r>
+          </a:p>
+          <a:p>
+            <a:pPr marL="457200" marR="0" lvl="0" indent="0" algn="just" defTabSz="914400" rtl="0" eaLnBrk="1" fontAlgn="auto" latinLnBrk="0" hangingPunct="1">
+              <a:lnSpc>
+                <a:spcPct val="150000"/>
+              </a:lnSpc>
+              <a:spcBef>
+                <a:spcPts val="0"/>
+              </a:spcBef>
+              <a:spcAft>
+                <a:spcPts val="0"/>
+              </a:spcAft>
+              <a:buClr>
+                <a:srgbClr val="000000"/>
+              </a:buClr>
+              <a:buSzPts val="1100"/>
+              <a:buFont typeface="Arial"/>
+              <a:buNone/>
+              <a:tabLst/>
+              <a:defRPr/>
+            </a:pPr>
+            <a:r>
+              <a:rPr lang="uk-UA" sz="1800" dirty="0">
                 <a:latin typeface="UAF Sans" pitchFamily="2" charset="-52"/>
                 <a:ea typeface="UAF Sans" pitchFamily="2" charset="-52"/>
               </a:rPr>
-              <a:t>Проаналізувавши різні </a:t>
-            </a:r>
-            <a:r>
-              <a:rPr lang="en-US" dirty="0">
-                <a:latin typeface="UAF Sans" pitchFamily="2" charset="-52"/>
-                <a:ea typeface="UAF Sans" pitchFamily="2" charset="-52"/>
-              </a:rPr>
-              <a:t>IaC </a:t>
-            </a:r>
-            <a:r>
-              <a:rPr lang="uk-UA" dirty="0">
-                <a:latin typeface="UAF Sans" pitchFamily="2" charset="-52"/>
-                <a:ea typeface="UAF Sans" pitchFamily="2" charset="-52"/>
-              </a:rPr>
-              <a:t>інструменти я обрала саме </a:t>
-            </a:r>
-            <a:r>
-              <a:rPr lang="en-US" dirty="0">
-                <a:latin typeface="UAF Sans" pitchFamily="2" charset="-52"/>
-                <a:ea typeface="UAF Sans" pitchFamily="2" charset="-52"/>
-              </a:rPr>
-              <a:t>Ansible </a:t>
-            </a:r>
-            <a:r>
-              <a:rPr lang="uk-UA" dirty="0">
-                <a:latin typeface="UAF Sans" pitchFamily="2" charset="-52"/>
-                <a:ea typeface="UAF Sans" pitchFamily="2" charset="-52"/>
-              </a:rPr>
-              <a:t>та </a:t>
-            </a:r>
-            <a:r>
-              <a:rPr lang="en-US" dirty="0">
-                <a:latin typeface="UAF Sans" pitchFamily="2" charset="-52"/>
-                <a:ea typeface="UAF Sans" pitchFamily="2" charset="-52"/>
-              </a:rPr>
-              <a:t>Terraform</a:t>
-            </a:r>
-            <a:r>
-              <a:rPr lang="uk-UA" dirty="0">
-                <a:latin typeface="UAF Sans" pitchFamily="2" charset="-52"/>
-                <a:ea typeface="UAF Sans" pitchFamily="2" charset="-52"/>
-              </a:rPr>
-              <a:t>, зокрема тому що це найпопулярніші і прості рішення. Розгляньмо детальніше про їх особливості</a:t>
+              <a:t>Розгляньмо детальніше про їх особливості.</a:t>
             </a:r>
           </a:p>
         </p:txBody>
@@ -18447,14 +18847,20 @@
               <a:buSzPts val="2400"/>
             </a:pPr>
             <a:r>
-              <a:rPr lang="uk-UA" sz="2000" dirty="0">
+              <a:rPr lang="uk-UA" sz="2200" b="1" dirty="0">
+                <a:solidFill>
+                  <a:srgbClr val="4E4634"/>
+                </a:solidFill>
                 <a:latin typeface="UAF Sans" pitchFamily="2" charset="-52"/>
                 <a:ea typeface="UAF Sans" pitchFamily="2" charset="-52"/>
               </a:rPr>
               <a:t>Особливості </a:t>
             </a:r>
             <a:r>
-              <a:rPr lang="en-US" sz="2000" dirty="0">
+              <a:rPr lang="en-US" sz="2200" b="1" dirty="0">
+                <a:solidFill>
+                  <a:srgbClr val="4E4634"/>
+                </a:solidFill>
                 <a:latin typeface="UAF Sans" pitchFamily="2" charset="-52"/>
                 <a:ea typeface="UAF Sans" pitchFamily="2" charset="-52"/>
               </a:rPr>
@@ -18471,9 +18877,9 @@
               </a:buClr>
               <a:buSzPts val="2400"/>
             </a:pPr>
-            <a:endParaRPr sz="2000" b="0" i="0" u="none" strike="noStrike" cap="none" dirty="0">
+            <a:endParaRPr sz="2200" b="1" i="0" u="none" strike="noStrike" cap="none" dirty="0">
               <a:solidFill>
-                <a:srgbClr val="4E4735"/>
+                <a:srgbClr val="4E4634"/>
               </a:solidFill>
               <a:latin typeface="UAF Sans" pitchFamily="2" charset="-52"/>
               <a:ea typeface="UAF Sans" pitchFamily="2" charset="-52"/>
@@ -19350,15 +19756,18 @@
               <a:buSzPts val="2400"/>
             </a:pPr>
             <a:r>
-              <a:rPr lang="en-US" sz="2000" dirty="0">
+              <a:rPr lang="en-US" sz="2200" b="1" dirty="0">
+                <a:solidFill>
+                  <a:srgbClr val="4E4634"/>
+                </a:solidFill>
                 <a:latin typeface="UAF Sans" pitchFamily="2" charset="-52"/>
                 <a:ea typeface="UAF Sans" pitchFamily="2" charset="-52"/>
               </a:rPr>
               <a:t>Ansible</a:t>
             </a:r>
-            <a:endParaRPr sz="2000" b="0" i="0" u="none" strike="noStrike" cap="none" dirty="0">
+            <a:endParaRPr sz="2200" b="1" i="0" u="none" strike="noStrike" cap="none" dirty="0">
               <a:solidFill>
-                <a:srgbClr val="4E4735"/>
+                <a:srgbClr val="4E4634"/>
               </a:solidFill>
               <a:latin typeface="UAF Sans" pitchFamily="2" charset="-52"/>
               <a:ea typeface="UAF Sans" pitchFamily="2" charset="-52"/>
@@ -19535,7 +19944,7 @@
         </p:blipFill>
         <p:spPr>
           <a:xfrm>
-            <a:off x="6735412" y="1206149"/>
+            <a:off x="6735412" y="1193449"/>
             <a:ext cx="4431698" cy="4521618"/>
           </a:xfrm>
           <a:prstGeom prst="rect">
@@ -19703,14 +20112,20 @@
               <a:buSzPts val="2400"/>
             </a:pPr>
             <a:r>
-              <a:rPr lang="uk-UA" sz="2000" dirty="0">
+              <a:rPr lang="uk-UA" sz="2200" b="1" dirty="0">
+                <a:solidFill>
+                  <a:srgbClr val="4E4634"/>
+                </a:solidFill>
                 <a:latin typeface="UAF Sans" pitchFamily="2" charset="-52"/>
                 <a:ea typeface="UAF Sans" pitchFamily="2" charset="-52"/>
               </a:rPr>
-              <a:t>Інші особливості </a:t>
-            </a:r>
-            <a:r>
-              <a:rPr lang="en-US" sz="2000" dirty="0">
+              <a:t>Особливості </a:t>
+            </a:r>
+            <a:r>
+              <a:rPr lang="en-US" sz="2200" b="1" dirty="0">
+                <a:solidFill>
+                  <a:srgbClr val="4E4634"/>
+                </a:solidFill>
                 <a:latin typeface="UAF Sans" pitchFamily="2" charset="-52"/>
                 <a:ea typeface="UAF Sans" pitchFamily="2" charset="-52"/>
               </a:rPr>
@@ -19727,9 +20142,9 @@
               </a:buClr>
               <a:buSzPts val="2400"/>
             </a:pPr>
-            <a:endParaRPr sz="2000" b="0" i="0" u="none" strike="noStrike" cap="none" dirty="0">
+            <a:endParaRPr sz="2200" b="1" i="0" u="none" strike="noStrike" cap="none" dirty="0">
               <a:solidFill>
-                <a:srgbClr val="4E4735"/>
+                <a:srgbClr val="4E4634"/>
               </a:solidFill>
               <a:latin typeface="UAF Sans" pitchFamily="2" charset="-52"/>
               <a:ea typeface="UAF Sans" pitchFamily="2" charset="-52"/>
@@ -20595,7 +21010,7 @@
         <p:spPr>
           <a:xfrm>
             <a:off x="479425" y="572896"/>
-            <a:ext cx="10687685" cy="504900"/>
+            <a:ext cx="11202035" cy="639556"/>
           </a:xfrm>
           <a:prstGeom prst="rect">
             <a:avLst/>
@@ -20607,7 +21022,7 @@
         </p:spPr>
         <p:txBody>
           <a:bodyPr spcFirstLastPara="1" wrap="square" lIns="91425" tIns="45700" rIns="91425" bIns="45700" anchor="t" anchorCtr="0">
-            <a:normAutofit/>
+            <a:noAutofit/>
           </a:bodyPr>
           <a:lstStyle/>
           <a:p>
@@ -20621,36 +21036,48 @@
               <a:buSzPts val="2400"/>
             </a:pPr>
             <a:r>
-              <a:rPr lang="uk-UA" sz="2000" dirty="0">
+              <a:rPr lang="uk-UA" sz="2200" b="1" dirty="0">
+                <a:solidFill>
+                  <a:srgbClr val="4E4634"/>
+                </a:solidFill>
                 <a:latin typeface="UAF Sans" pitchFamily="2" charset="-52"/>
                 <a:ea typeface="UAF Sans" pitchFamily="2" charset="-52"/>
               </a:rPr>
               <a:t>Модель використання </a:t>
             </a:r>
             <a:r>
-              <a:rPr lang="en-US" sz="2000" dirty="0">
+              <a:rPr lang="en-US" sz="2200" b="1" dirty="0">
+                <a:solidFill>
+                  <a:srgbClr val="4E4634"/>
+                </a:solidFill>
                 <a:latin typeface="UAF Sans" pitchFamily="2" charset="-52"/>
                 <a:ea typeface="UAF Sans" pitchFamily="2" charset="-52"/>
               </a:rPr>
               <a:t>CI/CD </a:t>
             </a:r>
             <a:r>
-              <a:rPr lang="uk-UA" sz="2000" dirty="0">
+              <a:rPr lang="uk-UA" sz="2200" b="1" dirty="0">
+                <a:solidFill>
+                  <a:srgbClr val="4E4634"/>
+                </a:solidFill>
                 <a:latin typeface="UAF Sans" pitchFamily="2" charset="-52"/>
                 <a:ea typeface="UAF Sans" pitchFamily="2" charset="-52"/>
               </a:rPr>
               <a:t>процесів під час розгортання інфраструктури на основі </a:t>
             </a:r>
             <a:r>
-              <a:rPr lang="en-US" sz="2000" dirty="0">
+              <a:rPr lang="en-US" sz="2200" b="1" dirty="0">
+                <a:solidFill>
+                  <a:srgbClr val="4E4634"/>
+                </a:solidFill>
                 <a:latin typeface="UAF Sans" pitchFamily="2" charset="-52"/>
                 <a:ea typeface="UAF Sans" pitchFamily="2" charset="-52"/>
               </a:rPr>
               <a:t>IaC</a:t>
             </a:r>
-            <a:endParaRPr sz="2000" b="0" i="0" u="none" strike="noStrike" cap="none" dirty="0">
+            <a:endParaRPr sz="2200" b="1" i="0" u="none" strike="noStrike" cap="none" dirty="0">
               <a:solidFill>
-                <a:srgbClr val="4E4735"/>
+                <a:srgbClr val="4E4634"/>
               </a:solidFill>
               <a:latin typeface="UAF Sans" pitchFamily="2" charset="-52"/>
               <a:ea typeface="UAF Sans" pitchFamily="2" charset="-52"/>
@@ -20966,15 +21393,18 @@
               <a:buSzPts val="2400"/>
             </a:pPr>
             <a:r>
-              <a:rPr lang="uk-UA" sz="2000" dirty="0">
+              <a:rPr lang="uk-UA" sz="2200" b="1" dirty="0">
+                <a:solidFill>
+                  <a:srgbClr val="4E4634"/>
+                </a:solidFill>
                 <a:latin typeface="UAF Sans" pitchFamily="2" charset="-52"/>
                 <a:ea typeface="UAF Sans" pitchFamily="2" charset="-52"/>
               </a:rPr>
               <a:t>Висновки</a:t>
             </a:r>
-            <a:endParaRPr sz="2000" b="0" i="0" u="none" strike="noStrike" cap="none" dirty="0">
+            <a:endParaRPr sz="2200" b="1" i="0" u="none" strike="noStrike" cap="none" dirty="0">
               <a:solidFill>
-                <a:srgbClr val="4E4735"/>
+                <a:srgbClr val="4E4634"/>
               </a:solidFill>
               <a:latin typeface="UAF Sans" pitchFamily="2" charset="-52"/>
               <a:ea typeface="UAF Sans" pitchFamily="2" charset="-52"/>
@@ -21878,7 +22308,7 @@
             <a:r>
               <a:rPr lang="uk-UA" sz="2400" b="1" dirty="0">
                 <a:solidFill>
-                  <a:schemeClr val="tx1"/>
+                  <a:srgbClr val="4E4634"/>
                 </a:solidFill>
                 <a:latin typeface="UAF Sans"/>
               </a:rPr>
@@ -22113,7 +22543,7 @@
               <a:buNone/>
             </a:pPr>
             <a:r>
-              <a:rPr lang="uk-UA" sz="2400" dirty="0">
+              <a:rPr lang="uk-UA" sz="2200" b="1" dirty="0">
                 <a:solidFill>
                   <a:srgbClr val="4E4735"/>
                 </a:solidFill>
@@ -22122,7 +22552,7 @@
               </a:rPr>
               <a:t>Мета, об’єкт та предмет дослідження</a:t>
             </a:r>
-            <a:endParaRPr sz="2400" b="0" i="0" u="none" strike="noStrike" cap="none" dirty="0">
+            <a:endParaRPr sz="2200" b="1" i="0" u="none" strike="noStrike" cap="none" dirty="0">
               <a:solidFill>
                 <a:srgbClr val="4E4735"/>
               </a:solidFill>
@@ -22859,7 +23289,7 @@
               <a:buNone/>
             </a:pPr>
             <a:r>
-              <a:rPr lang="uk-UA" sz="2400" dirty="0">
+              <a:rPr lang="uk-UA" sz="2200" b="1" dirty="0">
                 <a:solidFill>
                   <a:srgbClr val="4E4735"/>
                 </a:solidFill>
@@ -22868,7 +23298,7 @@
               </a:rPr>
               <a:t>Завдання дослідження</a:t>
             </a:r>
-            <a:endParaRPr lang="uk-UA" sz="2400" b="0" i="0" u="none" strike="noStrike" cap="none" dirty="0">
+            <a:endParaRPr lang="uk-UA" sz="2200" b="1" i="0" u="none" strike="noStrike" cap="none" dirty="0">
               <a:solidFill>
                 <a:srgbClr val="4E4735"/>
               </a:solidFill>
@@ -23148,7 +23578,7 @@
               <a:rPr lang="uk-UA" sz="1800" dirty="0">
                 <a:latin typeface="+mj-lt"/>
               </a:rPr>
-              <a:t>Аналіз інфраструктури на основі </a:t>
+              <a:t>Аналіз побудови інфраструктури на основі </a:t>
             </a:r>
             <a:r>
               <a:rPr lang="en-US" sz="1800" dirty="0">
@@ -23453,8 +23883,8 @@
         </p:nvSpPr>
         <p:spPr>
           <a:xfrm>
-            <a:off x="479425" y="563117"/>
-            <a:ext cx="9144000" cy="504900"/>
+            <a:off x="479425" y="542041"/>
+            <a:ext cx="10205992" cy="525975"/>
           </a:xfrm>
           <a:prstGeom prst="rect">
             <a:avLst/>
@@ -23466,7 +23896,7 @@
         </p:spPr>
         <p:txBody>
           <a:bodyPr spcFirstLastPara="1" wrap="square" lIns="91425" tIns="45700" rIns="91425" bIns="45700" anchor="t" anchorCtr="0">
-            <a:normAutofit/>
+            <a:noAutofit/>
           </a:bodyPr>
           <a:lstStyle/>
           <a:p>
@@ -23474,40 +23904,42 @@
               <a:buSzPts val="1400"/>
             </a:pPr>
             <a:r>
-              <a:rPr lang="uk-UA" sz="2000" dirty="0">
+              <a:rPr lang="uk-UA" sz="2200" b="1" dirty="0">
                 <a:solidFill>
                   <a:srgbClr val="4E4634"/>
                 </a:solidFill>
                 <a:latin typeface="UAF Sans"/>
               </a:rPr>
-              <a:t>Аналіз концепції </a:t>
-            </a:r>
-            <a:r>
-              <a:rPr lang="en-US" sz="2000" dirty="0">
+              <a:t>Аналіз</a:t>
+            </a:r>
+            <a:r>
+              <a:rPr lang="en-US" sz="2200" b="1" dirty="0">
                 <a:solidFill>
                   <a:srgbClr val="4E4634"/>
                 </a:solidFill>
-              </a:rPr>
-              <a:t>Continuous integration (CI) </a:t>
-            </a:r>
-            <a:r>
-              <a:rPr lang="uk-UA" sz="2000" dirty="0">
+                <a:latin typeface="UAF Sans"/>
+              </a:rPr>
+              <a:t> </a:t>
+            </a:r>
+            <a:r>
+              <a:rPr lang="uk-UA" sz="2200" b="1" dirty="0">
                 <a:solidFill>
                   <a:srgbClr val="4E4634"/>
                 </a:solidFill>
                 <a:latin typeface="UAF Sans"/>
               </a:rPr>
-              <a:t>та </a:t>
-            </a:r>
-            <a:r>
-              <a:rPr lang="en-US" sz="2000" dirty="0">
+              <a:t>концепції</a:t>
+            </a:r>
+            <a:r>
+              <a:rPr lang="en-US" sz="2200" b="1" dirty="0">
                 <a:solidFill>
                   <a:srgbClr val="4E4634"/>
                 </a:solidFill>
-              </a:rPr>
-              <a:t>Continuous Delivery (CD)</a:t>
-            </a:r>
-            <a:endParaRPr lang="uk-UA" sz="2000" dirty="0">
+                <a:latin typeface="UAF Sans"/>
+              </a:rPr>
+              <a:t> Continuous Integration/Continuous Delivery or Deployment</a:t>
+            </a:r>
+            <a:endParaRPr lang="uk-UA" sz="2200" b="1" dirty="0">
               <a:solidFill>
                 <a:srgbClr val="4E4634"/>
               </a:solidFill>
@@ -23979,7 +24411,7 @@
               <a:buSzPts val="2400"/>
             </a:pPr>
             <a:r>
-              <a:rPr lang="uk-UA" sz="2400" dirty="0">
+              <a:rPr lang="uk-UA" sz="2200" b="1" dirty="0">
                 <a:solidFill>
                   <a:srgbClr val="4E4634"/>
                 </a:solidFill>
@@ -23989,17 +24421,17 @@
               <a:t>Виробничий процес та конвеєр розгортання (</a:t>
             </a:r>
             <a:r>
-              <a:rPr lang="en-US" sz="2400" dirty="0">
+              <a:rPr lang="en-US" sz="2200" b="1" dirty="0">
                 <a:solidFill>
                   <a:srgbClr val="4E4634"/>
                 </a:solidFill>
                 <a:latin typeface="UAF Sans" pitchFamily="2" charset="-52"/>
                 <a:ea typeface="UAF Sans" pitchFamily="2" charset="-52"/>
               </a:rPr>
-              <a:t>Pipeline</a:t>
-            </a:r>
-            <a:r>
-              <a:rPr lang="uk-UA" sz="2400" dirty="0">
+              <a:t>pipeline</a:t>
+            </a:r>
+            <a:r>
+              <a:rPr lang="uk-UA" sz="2200" b="1" dirty="0">
                 <a:solidFill>
                   <a:srgbClr val="4E4634"/>
                 </a:solidFill>
@@ -24008,7 +24440,7 @@
               </a:rPr>
               <a:t>)</a:t>
             </a:r>
-            <a:endParaRPr sz="2400" b="0" i="0" u="none" strike="noStrike" cap="none" dirty="0">
+            <a:endParaRPr sz="2200" b="1" i="0" u="none" strike="noStrike" cap="none" dirty="0">
               <a:solidFill>
                 <a:srgbClr val="4E4634"/>
               </a:solidFill>
@@ -24455,7 +24887,7 @@
               <a:buSzPts val="2400"/>
             </a:pPr>
             <a:r>
-              <a:rPr lang="en-US" sz="2400" b="0" i="0" u="none" strike="noStrike" cap="none" dirty="0">
+              <a:rPr lang="en-US" sz="2200" b="1" i="0" u="none" strike="noStrike" cap="none" dirty="0">
                 <a:solidFill>
                   <a:srgbClr val="4E4735"/>
                 </a:solidFill>
@@ -24465,7 +24897,7 @@
               </a:rPr>
               <a:t>Infrastructure as a Code </a:t>
             </a:r>
-            <a:endParaRPr sz="2400" b="0" i="0" u="none" strike="noStrike" cap="none" dirty="0">
+            <a:endParaRPr sz="2200" b="1" i="0" u="none" strike="noStrike" cap="none" dirty="0">
               <a:solidFill>
                 <a:srgbClr val="4E4735"/>
               </a:solidFill>
@@ -24668,29 +25100,38 @@
               <a:buSzPts val="2400"/>
             </a:pPr>
             <a:r>
-              <a:rPr lang="uk-UA" sz="2000" dirty="0">
+              <a:rPr lang="uk-UA" sz="2200" b="1" dirty="0">
+                <a:solidFill>
+                  <a:srgbClr val="4E4634"/>
+                </a:solidFill>
                 <a:latin typeface="UAF Sans" pitchFamily="2" charset="-52"/>
                 <a:ea typeface="UAF Sans" pitchFamily="2" charset="-52"/>
               </a:rPr>
               <a:t>Порівняння </a:t>
             </a:r>
             <a:r>
-              <a:rPr lang="en-US" sz="2000" dirty="0">
+              <a:rPr lang="en-US" sz="2200" b="1" dirty="0">
+                <a:solidFill>
+                  <a:srgbClr val="4E4634"/>
+                </a:solidFill>
                 <a:latin typeface="UAF Sans" pitchFamily="2" charset="-52"/>
                 <a:ea typeface="UAF Sans" pitchFamily="2" charset="-52"/>
               </a:rPr>
               <a:t>IaC </a:t>
             </a:r>
             <a:r>
-              <a:rPr lang="uk-UA" sz="2000" dirty="0">
+              <a:rPr lang="uk-UA" sz="2200" b="1" dirty="0">
+                <a:solidFill>
+                  <a:srgbClr val="4E4634"/>
+                </a:solidFill>
                 <a:latin typeface="UAF Sans" pitchFamily="2" charset="-52"/>
                 <a:ea typeface="UAF Sans" pitchFamily="2" charset="-52"/>
               </a:rPr>
               <a:t>інструментів</a:t>
             </a:r>
-            <a:endParaRPr sz="2000" b="0" i="0" u="none" strike="noStrike" cap="none" dirty="0">
+            <a:endParaRPr sz="2200" b="1" i="0" u="none" strike="noStrike" cap="none" dirty="0">
               <a:solidFill>
-                <a:srgbClr val="4E4735"/>
+                <a:srgbClr val="4E4634"/>
               </a:solidFill>
               <a:latin typeface="UAF Sans" pitchFamily="2" charset="-52"/>
               <a:ea typeface="UAF Sans" pitchFamily="2" charset="-52"/>
@@ -24995,7 +25436,10 @@
               <a:buSzPts val="2400"/>
             </a:pPr>
             <a:r>
-              <a:rPr lang="en-US" sz="2000" dirty="0">
+              <a:rPr lang="en-US" sz="2200" b="1" dirty="0">
+                <a:solidFill>
+                  <a:srgbClr val="4E4634"/>
+                </a:solidFill>
                 <a:latin typeface="UAF Sans" pitchFamily="2" charset="-52"/>
                 <a:ea typeface="UAF Sans" pitchFamily="2" charset="-52"/>
               </a:rPr>
